--- a/output/modernWorship/My-Lighthouse.pptx
+++ b/output/modernWorship/My-Lighthouse.pptx
@@ -3883,7 +3883,7 @@
             </a:r>
             <a:br/>
             <a:r>
-              <a:t>You are the peace in my troub - led sea </a:t>
+              <a:t>You are the peace in my troub - led sea</a:t>
             </a:r>
             <a:br/>
             <a:r>
@@ -4097,23 +4097,23 @@
               <a:defRPr sz="2500"/>
             </a:pPr>
             <a:r>
-              <a:t>My Light - house, My  Light - house  </a:t>
-            </a:r>
-            <a:br/>
-            <a:r>
-              <a:t>Shining in the dark - ness, I  will follow You </a:t>
-            </a:r>
-            <a:br/>
-            <a:r>
-              <a:t>My Light - house, My Light - house </a:t>
-            </a:r>
-            <a:br/>
-            <a:r>
-              <a:t>I will trust the prom - ise, You  will carry me </a:t>
-            </a:r>
-            <a:br/>
-            <a:r>
-              <a:t>Safe to shore  </a:t>
+              <a:t>My Light - house, My  Light - house</a:t>
+            </a:r>
+            <a:br/>
+            <a:r>
+              <a:t>Shining in the dark - ness, I  will follow You</a:t>
+            </a:r>
+            <a:br/>
+            <a:r>
+              <a:t>My Light - house, My Light - house</a:t>
+            </a:r>
+            <a:br/>
+            <a:r>
+              <a:t>I will trust the prom - ise, You  will carry me</a:t>
+            </a:r>
+            <a:br/>
+            <a:r>
+              <a:t>Safe to shore</a:t>
             </a:r>
             <a:br/>
           </a:p>
